--- a/소녀픽셀 던전 _수정된계획_김다니엘 .pptx
+++ b/소녀픽셀 던전 _수정된계획_김다니엘 .pptx
@@ -8,7 +8,8 @@
     <p:sldId id="257" r:id="rId2"/>
     <p:sldId id="256" r:id="rId3"/>
     <p:sldId id="258" r:id="rId4"/>
-    <p:sldId id="259" r:id="rId5"/>
+    <p:sldId id="260" r:id="rId5"/>
+    <p:sldId id="259" r:id="rId6"/>
   </p:sldIdLst>
   <p:sldSz cx="12192000" cy="6858000"/>
   <p:notesSz cx="6858000" cy="9144000"/>
@@ -107,6 +108,11 @@
       </a:defRPr>
     </a:lvl9pPr>
   </p:defaultTextStyle>
+  <p:extLst>
+    <p:ext uri="{EFAFB233-063F-42B5-8137-9DF3F51BA10A}">
+      <p15:sldGuideLst xmlns:p15="http://schemas.microsoft.com/office/powerpoint/2012/main"/>
+    </p:ext>
+  </p:extLst>
 </p:presentation>
 </file>
 
@@ -4121,6 +4127,209 @@
 </file>
 
 <file path=ppt/slides/slide4.xml><?xml version="1.0" encoding="utf-8"?>
+<p:sld xmlns:a="http://schemas.openxmlformats.org/drawingml/2006/main" xmlns:r="http://schemas.openxmlformats.org/officeDocument/2006/relationships" xmlns:p="http://schemas.openxmlformats.org/presentationml/2006/main">
+  <p:cSld>
+    <p:spTree>
+      <p:nvGrpSpPr>
+        <p:cNvPr id="1" name=""/>
+        <p:cNvGrpSpPr/>
+        <p:nvPr/>
+      </p:nvGrpSpPr>
+      <p:grpSpPr>
+        <a:xfrm>
+          <a:off x="0" y="0"/>
+          <a:ext cx="0" cy="0"/>
+          <a:chOff x="0" y="0"/>
+          <a:chExt cx="0" cy="0"/>
+        </a:xfrm>
+      </p:grpSpPr>
+      <p:pic>
+        <p:nvPicPr>
+          <p:cNvPr id="5" name="화면 녹화 중 2025-11-12 235522">
+            <a:hlinkClick r:id="" action="ppaction://media"/>
+            <a:extLst>
+              <a:ext uri="{FF2B5EF4-FFF2-40B4-BE49-F238E27FC236}">
+                <a16:creationId xmlns:a16="http://schemas.microsoft.com/office/drawing/2014/main" id="{FCEFC176-8F44-7C14-929B-88121091EFB2}"/>
+              </a:ext>
+            </a:extLst>
+          </p:cNvPr>
+          <p:cNvPicPr>
+            <a:picLocks noChangeAspect="1"/>
+          </p:cNvPicPr>
+          <p:nvPr>
+            <a:videoFile r:link="rId2"/>
+            <p:extLst>
+              <p:ext uri="{DAA4B4D4-6D71-4841-9C94-3DE7FCFB9230}">
+                <p14:media xmlns:p14="http://schemas.microsoft.com/office/powerpoint/2010/main" r:embed="rId1"/>
+              </p:ext>
+            </p:extLst>
+          </p:nvPr>
+        </p:nvPicPr>
+        <p:blipFill>
+          <a:blip r:embed="rId4"/>
+          <a:stretch>
+            <a:fillRect/>
+          </a:stretch>
+        </p:blipFill>
+        <p:spPr>
+          <a:xfrm>
+            <a:off x="7525203" y="0"/>
+            <a:ext cx="3973513" cy="6858000"/>
+          </a:xfrm>
+          <a:prstGeom prst="rect">
+            <a:avLst/>
+          </a:prstGeom>
+        </p:spPr>
+      </p:pic>
+    </p:spTree>
+    <p:extLst>
+      <p:ext uri="{BB962C8B-B14F-4D97-AF65-F5344CB8AC3E}">
+        <p14:creationId xmlns:p14="http://schemas.microsoft.com/office/powerpoint/2010/main" val="1790815435"/>
+      </p:ext>
+    </p:extLst>
+  </p:cSld>
+  <p:clrMapOvr>
+    <a:masterClrMapping/>
+  </p:clrMapOvr>
+  <p:timing>
+    <p:tnLst>
+      <p:par>
+        <p:cTn id="1" dur="indefinite" restart="never" nodeType="tmRoot">
+          <p:childTnLst>
+            <p:seq concurrent="1" nextAc="seek">
+              <p:cTn id="2" dur="indefinite" nodeType="mainSeq">
+                <p:childTnLst>
+                  <p:par>
+                    <p:cTn id="3" fill="hold">
+                      <p:stCondLst>
+                        <p:cond delay="indefinite"/>
+                      </p:stCondLst>
+                      <p:childTnLst>
+                        <p:par>
+                          <p:cTn id="4" fill="hold">
+                            <p:stCondLst>
+                              <p:cond delay="0"/>
+                            </p:stCondLst>
+                            <p:childTnLst>
+                              <p:par>
+                                <p:cTn id="5" presetID="1" presetClass="mediacall" presetSubtype="0" fill="hold" nodeType="clickEffect">
+                                  <p:stCondLst>
+                                    <p:cond delay="0"/>
+                                  </p:stCondLst>
+                                  <p:childTnLst>
+                                    <p:cmd type="call" cmd="playFrom(0.0)">
+                                      <p:cBhvr>
+                                        <p:cTn id="6" dur="7061" fill="hold"/>
+                                        <p:tgtEl>
+                                          <p:spTgt spid="5"/>
+                                        </p:tgtEl>
+                                      </p:cBhvr>
+                                    </p:cmd>
+                                  </p:childTnLst>
+                                </p:cTn>
+                              </p:par>
+                            </p:childTnLst>
+                          </p:cTn>
+                        </p:par>
+                      </p:childTnLst>
+                    </p:cTn>
+                  </p:par>
+                </p:childTnLst>
+              </p:cTn>
+              <p:prevCondLst>
+                <p:cond evt="onPrev" delay="0">
+                  <p:tgtEl>
+                    <p:sldTgt/>
+                  </p:tgtEl>
+                </p:cond>
+              </p:prevCondLst>
+              <p:nextCondLst>
+                <p:cond evt="onNext" delay="0">
+                  <p:tgtEl>
+                    <p:sldTgt/>
+                  </p:tgtEl>
+                </p:cond>
+              </p:nextCondLst>
+            </p:seq>
+            <p:video>
+              <p:cMediaNode vol="80000">
+                <p:cTn id="7" fill="hold" display="0">
+                  <p:stCondLst>
+                    <p:cond delay="indefinite"/>
+                  </p:stCondLst>
+                </p:cTn>
+                <p:tgtEl>
+                  <p:spTgt spid="5"/>
+                </p:tgtEl>
+              </p:cMediaNode>
+            </p:video>
+            <p:seq concurrent="1" nextAc="seek">
+              <p:cTn id="8" restart="whenNotActive" fill="hold" evtFilter="cancelBubble" nodeType="interactiveSeq">
+                <p:stCondLst>
+                  <p:cond evt="onClick" delay="0">
+                    <p:tgtEl>
+                      <p:spTgt spid="5"/>
+                    </p:tgtEl>
+                  </p:cond>
+                </p:stCondLst>
+                <p:endSync evt="end" delay="0">
+                  <p:rtn val="all"/>
+                </p:endSync>
+                <p:childTnLst>
+                  <p:par>
+                    <p:cTn id="9" fill="hold">
+                      <p:stCondLst>
+                        <p:cond delay="0"/>
+                      </p:stCondLst>
+                      <p:childTnLst>
+                        <p:par>
+                          <p:cTn id="10" fill="hold">
+                            <p:stCondLst>
+                              <p:cond delay="0"/>
+                            </p:stCondLst>
+                            <p:childTnLst>
+                              <p:par>
+                                <p:cTn id="11" presetID="2" presetClass="mediacall" presetSubtype="0" fill="hold" nodeType="clickEffect">
+                                  <p:stCondLst>
+                                    <p:cond delay="0"/>
+                                  </p:stCondLst>
+                                  <p:childTnLst>
+                                    <p:cmd type="call" cmd="togglePause">
+                                      <p:cBhvr>
+                                        <p:cTn id="12" dur="1" fill="hold"/>
+                                        <p:tgtEl>
+                                          <p:spTgt spid="5"/>
+                                        </p:tgtEl>
+                                      </p:cBhvr>
+                                    </p:cmd>
+                                  </p:childTnLst>
+                                </p:cTn>
+                              </p:par>
+                            </p:childTnLst>
+                          </p:cTn>
+                        </p:par>
+                      </p:childTnLst>
+                    </p:cTn>
+                  </p:par>
+                </p:childTnLst>
+              </p:cTn>
+              <p:nextCondLst>
+                <p:cond evt="onClick" delay="0">
+                  <p:tgtEl>
+                    <p:spTgt spid="5"/>
+                  </p:tgtEl>
+                </p:cond>
+              </p:nextCondLst>
+            </p:seq>
+          </p:childTnLst>
+        </p:cTn>
+      </p:par>
+    </p:tnLst>
+  </p:timing>
+</p:sld>
+</file>
+
+<file path=ppt/slides/slide5.xml><?xml version="1.0" encoding="utf-8"?>
 <p:sld xmlns:a="http://schemas.openxmlformats.org/drawingml/2006/main" xmlns:r="http://schemas.openxmlformats.org/officeDocument/2006/relationships" xmlns:p="http://schemas.openxmlformats.org/presentationml/2006/main">
   <p:cSld>
     <p:spTree>
